--- a/302-변수와 자료형/302-2.변수와 선언.pptx
+++ b/302-변수와 자료형/302-2.변수와 선언.pptx
@@ -269,7 +269,7 @@
           <a:p>
             <a:fld id="{E2207494-9CFE-4E73-AC18-77A9FD8874CC}" type="datetimeFigureOut">
               <a:rPr lang="ko-KR" altLang="en-US" smtClean="0"/>
-              <a:t>2023-05-22</a:t>
+              <a:t>2023-05-23</a:t>
             </a:fld>
             <a:endParaRPr lang="ko-KR" altLang="en-US"/>
           </a:p>
@@ -683,7 +683,7 @@
           <a:p>
             <a:fld id="{5FEAFABF-FCCA-4709-BD08-3563D96B9096}" type="datetimeFigureOut">
               <a:rPr lang="ko-KR" altLang="en-US" smtClean="0"/>
-              <a:t>2023-05-22</a:t>
+              <a:t>2023-05-23</a:t>
             </a:fld>
             <a:endParaRPr lang="ko-KR" altLang="en-US"/>
           </a:p>
@@ -881,7 +881,7 @@
           <a:p>
             <a:fld id="{5FEAFABF-FCCA-4709-BD08-3563D96B9096}" type="datetimeFigureOut">
               <a:rPr lang="ko-KR" altLang="en-US" smtClean="0"/>
-              <a:t>2023-05-22</a:t>
+              <a:t>2023-05-23</a:t>
             </a:fld>
             <a:endParaRPr lang="ko-KR" altLang="en-US"/>
           </a:p>
@@ -1089,7 +1089,7 @@
           <a:p>
             <a:fld id="{5FEAFABF-FCCA-4709-BD08-3563D96B9096}" type="datetimeFigureOut">
               <a:rPr lang="ko-KR" altLang="en-US" smtClean="0"/>
-              <a:t>2023-05-22</a:t>
+              <a:t>2023-05-23</a:t>
             </a:fld>
             <a:endParaRPr lang="ko-KR" altLang="en-US"/>
           </a:p>
@@ -1287,7 +1287,7 @@
           <a:p>
             <a:fld id="{5FEAFABF-FCCA-4709-BD08-3563D96B9096}" type="datetimeFigureOut">
               <a:rPr lang="ko-KR" altLang="en-US" smtClean="0"/>
-              <a:t>2023-05-22</a:t>
+              <a:t>2023-05-23</a:t>
             </a:fld>
             <a:endParaRPr lang="ko-KR" altLang="en-US"/>
           </a:p>
@@ -1562,7 +1562,7 @@
           <a:p>
             <a:fld id="{5FEAFABF-FCCA-4709-BD08-3563D96B9096}" type="datetimeFigureOut">
               <a:rPr lang="ko-KR" altLang="en-US" smtClean="0"/>
-              <a:t>2023-05-22</a:t>
+              <a:t>2023-05-23</a:t>
             </a:fld>
             <a:endParaRPr lang="ko-KR" altLang="en-US"/>
           </a:p>
@@ -1827,7 +1827,7 @@
           <a:p>
             <a:fld id="{5FEAFABF-FCCA-4709-BD08-3563D96B9096}" type="datetimeFigureOut">
               <a:rPr lang="ko-KR" altLang="en-US" smtClean="0"/>
-              <a:t>2023-05-22</a:t>
+              <a:t>2023-05-23</a:t>
             </a:fld>
             <a:endParaRPr lang="ko-KR" altLang="en-US"/>
           </a:p>
@@ -2239,7 +2239,7 @@
           <a:p>
             <a:fld id="{5FEAFABF-FCCA-4709-BD08-3563D96B9096}" type="datetimeFigureOut">
               <a:rPr lang="ko-KR" altLang="en-US" smtClean="0"/>
-              <a:t>2023-05-22</a:t>
+              <a:t>2023-05-23</a:t>
             </a:fld>
             <a:endParaRPr lang="ko-KR" altLang="en-US"/>
           </a:p>
@@ -2380,7 +2380,7 @@
           <a:p>
             <a:fld id="{5FEAFABF-FCCA-4709-BD08-3563D96B9096}" type="datetimeFigureOut">
               <a:rPr lang="ko-KR" altLang="en-US" smtClean="0"/>
-              <a:t>2023-05-22</a:t>
+              <a:t>2023-05-23</a:t>
             </a:fld>
             <a:endParaRPr lang="ko-KR" altLang="en-US"/>
           </a:p>
@@ -2493,7 +2493,7 @@
           <a:p>
             <a:fld id="{5FEAFABF-FCCA-4709-BD08-3563D96B9096}" type="datetimeFigureOut">
               <a:rPr lang="ko-KR" altLang="en-US" smtClean="0"/>
-              <a:t>2023-05-22</a:t>
+              <a:t>2023-05-23</a:t>
             </a:fld>
             <a:endParaRPr lang="ko-KR" altLang="en-US"/>
           </a:p>
@@ -2804,7 +2804,7 @@
           <a:p>
             <a:fld id="{5FEAFABF-FCCA-4709-BD08-3563D96B9096}" type="datetimeFigureOut">
               <a:rPr lang="ko-KR" altLang="en-US" smtClean="0"/>
-              <a:t>2023-05-22</a:t>
+              <a:t>2023-05-23</a:t>
             </a:fld>
             <a:endParaRPr lang="ko-KR" altLang="en-US"/>
           </a:p>
@@ -3092,7 +3092,7 @@
           <a:p>
             <a:fld id="{5FEAFABF-FCCA-4709-BD08-3563D96B9096}" type="datetimeFigureOut">
               <a:rPr lang="ko-KR" altLang="en-US" smtClean="0"/>
-              <a:t>2023-05-22</a:t>
+              <a:t>2023-05-23</a:t>
             </a:fld>
             <a:endParaRPr lang="ko-KR" altLang="en-US"/>
           </a:p>
@@ -3333,7 +3333,7 @@
           <a:p>
             <a:fld id="{5FEAFABF-FCCA-4709-BD08-3563D96B9096}" type="datetimeFigureOut">
               <a:rPr lang="ko-KR" altLang="en-US" smtClean="0"/>
-              <a:t>2023-05-22</a:t>
+              <a:t>2023-05-23</a:t>
             </a:fld>
             <a:endParaRPr lang="ko-KR" altLang="en-US"/>
           </a:p>
@@ -7986,7 +7986,7 @@
         </p:nvSpPr>
         <p:spPr>
           <a:xfrm>
-            <a:off x="4780237" y="4159318"/>
+            <a:off x="2026151" y="5599313"/>
             <a:ext cx="4426267" cy="414024"/>
           </a:xfrm>
           <a:prstGeom prst="rect">
@@ -8058,13 +8058,14 @@
           </p:cNvPr>
           <p:cNvCxnSpPr>
             <a:cxnSpLocks/>
+            <a:stCxn id="9" idx="0"/>
           </p:cNvCxnSpPr>
           <p:nvPr/>
         </p:nvCxnSpPr>
         <p:spPr>
-          <a:xfrm flipH="1">
-            <a:off x="3707095" y="4386464"/>
-            <a:ext cx="945323" cy="5289"/>
+          <a:xfrm flipH="1" flipV="1">
+            <a:off x="3707095" y="4391753"/>
+            <a:ext cx="532190" cy="1207560"/>
           </a:xfrm>
           <a:prstGeom prst="straightConnector1">
             <a:avLst/>
@@ -8093,6 +8094,36 @@
           </a:fontRef>
         </p:style>
       </p:cxnSp>
+      <p:pic>
+        <p:nvPicPr>
+          <p:cNvPr id="4" name="그림 3">
+            <a:extLst>
+              <a:ext uri="{FF2B5EF4-FFF2-40B4-BE49-F238E27FC236}">
+                <a16:creationId xmlns:a16="http://schemas.microsoft.com/office/drawing/2014/main" id="{76A28EE2-42B5-FC0E-8DE7-6447AF472DB1}"/>
+              </a:ext>
+            </a:extLst>
+          </p:cNvPr>
+          <p:cNvPicPr>
+            <a:picLocks noChangeAspect="1"/>
+          </p:cNvPicPr>
+          <p:nvPr/>
+        </p:nvPicPr>
+        <p:blipFill>
+          <a:blip r:embed="rId4"/>
+          <a:stretch>
+            <a:fillRect/>
+          </a:stretch>
+        </p:blipFill>
+        <p:spPr>
+          <a:xfrm>
+            <a:off x="6678384" y="3662902"/>
+            <a:ext cx="5210175" cy="2326713"/>
+          </a:xfrm>
+          <a:prstGeom prst="rect">
+            <a:avLst/>
+          </a:prstGeom>
+        </p:spPr>
+      </p:pic>
     </p:spTree>
     <p:extLst>
       <p:ext uri="{BB962C8B-B14F-4D97-AF65-F5344CB8AC3E}">
@@ -8251,65 +8282,6 @@
       </p:sp>
       <p:sp>
         <p:nvSpPr>
-          <p:cNvPr id="2" name="TextBox 1">
-            <a:extLst>
-              <a:ext uri="{FF2B5EF4-FFF2-40B4-BE49-F238E27FC236}">
-                <a16:creationId xmlns:a16="http://schemas.microsoft.com/office/drawing/2014/main" id="{D79A0039-30CA-D5B0-54F4-3CBA958F9BED}"/>
-              </a:ext>
-            </a:extLst>
-          </p:cNvPr>
-          <p:cNvSpPr txBox="1"/>
-          <p:nvPr/>
-        </p:nvSpPr>
-        <p:spPr>
-          <a:xfrm>
-            <a:off x="960121" y="1547340"/>
-            <a:ext cx="2125980" cy="880369"/>
-          </a:xfrm>
-          <a:prstGeom prst="rect">
-            <a:avLst/>
-          </a:prstGeom>
-          <a:noFill/>
-          <a:ln>
-            <a:solidFill>
-              <a:schemeClr val="bg1">
-                <a:lumMod val="50000"/>
-              </a:schemeClr>
-            </a:solidFill>
-          </a:ln>
-        </p:spPr>
-        <p:txBody>
-          <a:bodyPr wrap="square" rtlCol="0">
-            <a:spAutoFit/>
-          </a:bodyPr>
-          <a:lstStyle/>
-          <a:p>
-            <a:pPr>
-              <a:lnSpc>
-                <a:spcPct val="150000"/>
-              </a:lnSpc>
-            </a:pPr>
-            <a:r>
-              <a:rPr kumimoji="1" lang="en-US" altLang="ko-Kore-KR"/>
-              <a:t>const number;</a:t>
-            </a:r>
-          </a:p>
-          <a:p>
-            <a:pPr>
-              <a:lnSpc>
-                <a:spcPct val="150000"/>
-              </a:lnSpc>
-            </a:pPr>
-            <a:r>
-              <a:rPr kumimoji="1" lang="en-US" altLang="ko-Kore-KR"/>
-              <a:t>number = 10; </a:t>
-            </a:r>
-            <a:endParaRPr kumimoji="1" lang="ko-Kore-KR" altLang="en-US"/>
-          </a:p>
-        </p:txBody>
-      </p:sp>
-      <p:sp>
-        <p:nvSpPr>
           <p:cNvPr id="4" name="TextBox 3">
             <a:extLst>
               <a:ext uri="{FF2B5EF4-FFF2-40B4-BE49-F238E27FC236}">
@@ -8322,7 +8294,7 @@
         </p:nvSpPr>
         <p:spPr>
           <a:xfrm>
-            <a:off x="4309925" y="1736819"/>
+            <a:off x="960121" y="1715047"/>
             <a:ext cx="2517595" cy="464871"/>
           </a:xfrm>
           <a:prstGeom prst="rect">
@@ -8368,46 +8340,6 @@
               <a:rPr kumimoji="1" lang="en-US" altLang="ko-Kore-KR"/>
               <a:t>;</a:t>
             </a:r>
-          </a:p>
-        </p:txBody>
-      </p:sp>
-      <p:sp>
-        <p:nvSpPr>
-          <p:cNvPr id="5" name="TextBox 4">
-            <a:extLst>
-              <a:ext uri="{FF2B5EF4-FFF2-40B4-BE49-F238E27FC236}">
-                <a16:creationId xmlns:a16="http://schemas.microsoft.com/office/drawing/2014/main" id="{78EC719B-2630-689B-2017-6154DA2B6D2A}"/>
-              </a:ext>
-            </a:extLst>
-          </p:cNvPr>
-          <p:cNvSpPr txBox="1"/>
-          <p:nvPr/>
-        </p:nvSpPr>
-        <p:spPr>
-          <a:xfrm>
-            <a:off x="3406106" y="1815367"/>
-            <a:ext cx="583814" cy="307777"/>
-          </a:xfrm>
-          <a:prstGeom prst="rect">
-            <a:avLst/>
-          </a:prstGeom>
-          <a:noFill/>
-        </p:spPr>
-        <p:txBody>
-          <a:bodyPr wrap="none" rtlCol="0">
-            <a:spAutoFit/>
-          </a:bodyPr>
-          <a:lstStyle/>
-          <a:p>
-            <a:r>
-              <a:rPr kumimoji="1" lang="ko-Kore-KR" altLang="en-US" sz="1400" dirty="0"/>
-              <a:t>또는</a:t>
-            </a:r>
-            <a:r>
-              <a:rPr kumimoji="1" lang="ko-KR" altLang="en-US" sz="1400"/>
-              <a:t> </a:t>
-            </a:r>
-            <a:endParaRPr kumimoji="1" lang="ko-Kore-KR" altLang="en-US" sz="1400" dirty="0"/>
           </a:p>
         </p:txBody>
       </p:sp>
@@ -8884,386 +8816,6 @@
           </a:p>
         </p:txBody>
       </p:sp>
-      <p:sp>
-        <p:nvSpPr>
-          <p:cNvPr id="2" name="텍스트 개체 틀 8">
-            <a:extLst>
-              <a:ext uri="{FF2B5EF4-FFF2-40B4-BE49-F238E27FC236}">
-                <a16:creationId xmlns:a16="http://schemas.microsoft.com/office/drawing/2014/main" id="{7E9A4086-9002-AA01-E83E-1527C194166F}"/>
-              </a:ext>
-            </a:extLst>
-          </p:cNvPr>
-          <p:cNvSpPr txBox="1">
-            <a:spLocks/>
-          </p:cNvSpPr>
-          <p:nvPr/>
-        </p:nvSpPr>
-        <p:spPr>
-          <a:xfrm>
-            <a:off x="455474" y="1266765"/>
-            <a:ext cx="11281052" cy="4999638"/>
-          </a:xfrm>
-          <a:prstGeom prst="rect">
-            <a:avLst/>
-          </a:prstGeom>
-        </p:spPr>
-        <p:txBody>
-          <a:bodyPr>
-            <a:normAutofit/>
-          </a:bodyPr>
-          <a:lstStyle>
-            <a:lvl1pPr marL="228600" indent="-228600" algn="l" defTabSz="914400" rtl="0" eaLnBrk="1" latinLnBrk="1" hangingPunct="1">
-              <a:lnSpc>
-                <a:spcPct val="90000"/>
-              </a:lnSpc>
-              <a:spcBef>
-                <a:spcPts val="1000"/>
-              </a:spcBef>
-              <a:buFont typeface="Arial" panose="020B0604020202020204" pitchFamily="34" charset="0"/>
-              <a:buChar char="•"/>
-              <a:defRPr sz="2800" kern="1200">
-                <a:solidFill>
-                  <a:schemeClr val="tx1"/>
-                </a:solidFill>
-                <a:latin typeface="+mn-lt"/>
-                <a:ea typeface="+mn-ea"/>
-                <a:cs typeface="+mn-cs"/>
-              </a:defRPr>
-            </a:lvl1pPr>
-            <a:lvl2pPr marL="685800" indent="-228600" algn="l" defTabSz="914400" rtl="0" eaLnBrk="1" latinLnBrk="1" hangingPunct="1">
-              <a:lnSpc>
-                <a:spcPct val="90000"/>
-              </a:lnSpc>
-              <a:spcBef>
-                <a:spcPts val="500"/>
-              </a:spcBef>
-              <a:buFont typeface="Arial" panose="020B0604020202020204" pitchFamily="34" charset="0"/>
-              <a:buChar char="•"/>
-              <a:defRPr sz="2400" kern="1200">
-                <a:solidFill>
-                  <a:schemeClr val="tx1"/>
-                </a:solidFill>
-                <a:latin typeface="+mn-lt"/>
-                <a:ea typeface="+mn-ea"/>
-                <a:cs typeface="+mn-cs"/>
-              </a:defRPr>
-            </a:lvl2pPr>
-            <a:lvl3pPr marL="1143000" indent="-228600" algn="l" defTabSz="914400" rtl="0" eaLnBrk="1" latinLnBrk="1" hangingPunct="1">
-              <a:lnSpc>
-                <a:spcPct val="90000"/>
-              </a:lnSpc>
-              <a:spcBef>
-                <a:spcPts val="500"/>
-              </a:spcBef>
-              <a:buFont typeface="Arial" panose="020B0604020202020204" pitchFamily="34" charset="0"/>
-              <a:buChar char="•"/>
-              <a:defRPr sz="2000" kern="1200">
-                <a:solidFill>
-                  <a:schemeClr val="tx1"/>
-                </a:solidFill>
-                <a:latin typeface="+mn-lt"/>
-                <a:ea typeface="+mn-ea"/>
-                <a:cs typeface="+mn-cs"/>
-              </a:defRPr>
-            </a:lvl3pPr>
-            <a:lvl4pPr marL="1600200" indent="-228600" algn="l" defTabSz="914400" rtl="0" eaLnBrk="1" latinLnBrk="1" hangingPunct="1">
-              <a:lnSpc>
-                <a:spcPct val="90000"/>
-              </a:lnSpc>
-              <a:spcBef>
-                <a:spcPts val="500"/>
-              </a:spcBef>
-              <a:buFont typeface="Arial" panose="020B0604020202020204" pitchFamily="34" charset="0"/>
-              <a:buChar char="•"/>
-              <a:defRPr sz="1800" kern="1200">
-                <a:solidFill>
-                  <a:schemeClr val="tx1"/>
-                </a:solidFill>
-                <a:latin typeface="+mn-lt"/>
-                <a:ea typeface="+mn-ea"/>
-                <a:cs typeface="+mn-cs"/>
-              </a:defRPr>
-            </a:lvl4pPr>
-            <a:lvl5pPr marL="2057400" indent="-228600" algn="l" defTabSz="914400" rtl="0" eaLnBrk="1" latinLnBrk="1" hangingPunct="1">
-              <a:lnSpc>
-                <a:spcPct val="90000"/>
-              </a:lnSpc>
-              <a:spcBef>
-                <a:spcPts val="500"/>
-              </a:spcBef>
-              <a:buFont typeface="Arial" panose="020B0604020202020204" pitchFamily="34" charset="0"/>
-              <a:buChar char="•"/>
-              <a:defRPr sz="1800" kern="1200">
-                <a:solidFill>
-                  <a:schemeClr val="tx1"/>
-                </a:solidFill>
-                <a:latin typeface="+mn-lt"/>
-                <a:ea typeface="+mn-ea"/>
-                <a:cs typeface="+mn-cs"/>
-              </a:defRPr>
-            </a:lvl5pPr>
-            <a:lvl6pPr marL="2514600" indent="-228600" algn="l" defTabSz="914400" rtl="0" eaLnBrk="1" latinLnBrk="1" hangingPunct="1">
-              <a:lnSpc>
-                <a:spcPct val="90000"/>
-              </a:lnSpc>
-              <a:spcBef>
-                <a:spcPts val="500"/>
-              </a:spcBef>
-              <a:buFont typeface="Arial" panose="020B0604020202020204" pitchFamily="34" charset="0"/>
-              <a:buChar char="•"/>
-              <a:defRPr sz="1800" kern="1200">
-                <a:solidFill>
-                  <a:schemeClr val="tx1"/>
-                </a:solidFill>
-                <a:latin typeface="+mn-lt"/>
-                <a:ea typeface="+mn-ea"/>
-                <a:cs typeface="+mn-cs"/>
-              </a:defRPr>
-            </a:lvl6pPr>
-            <a:lvl7pPr marL="2971800" indent="-228600" algn="l" defTabSz="914400" rtl="0" eaLnBrk="1" latinLnBrk="1" hangingPunct="1">
-              <a:lnSpc>
-                <a:spcPct val="90000"/>
-              </a:lnSpc>
-              <a:spcBef>
-                <a:spcPts val="500"/>
-              </a:spcBef>
-              <a:buFont typeface="Arial" panose="020B0604020202020204" pitchFamily="34" charset="0"/>
-              <a:buChar char="•"/>
-              <a:defRPr sz="1800" kern="1200">
-                <a:solidFill>
-                  <a:schemeClr val="tx1"/>
-                </a:solidFill>
-                <a:latin typeface="+mn-lt"/>
-                <a:ea typeface="+mn-ea"/>
-                <a:cs typeface="+mn-cs"/>
-              </a:defRPr>
-            </a:lvl7pPr>
-            <a:lvl8pPr marL="3429000" indent="-228600" algn="l" defTabSz="914400" rtl="0" eaLnBrk="1" latinLnBrk="1" hangingPunct="1">
-              <a:lnSpc>
-                <a:spcPct val="90000"/>
-              </a:lnSpc>
-              <a:spcBef>
-                <a:spcPts val="500"/>
-              </a:spcBef>
-              <a:buFont typeface="Arial" panose="020B0604020202020204" pitchFamily="34" charset="0"/>
-              <a:buChar char="•"/>
-              <a:defRPr sz="1800" kern="1200">
-                <a:solidFill>
-                  <a:schemeClr val="tx1"/>
-                </a:solidFill>
-                <a:latin typeface="+mn-lt"/>
-                <a:ea typeface="+mn-ea"/>
-                <a:cs typeface="+mn-cs"/>
-              </a:defRPr>
-            </a:lvl8pPr>
-            <a:lvl9pPr marL="3886200" indent="-228600" algn="l" defTabSz="914400" rtl="0" eaLnBrk="1" latinLnBrk="1" hangingPunct="1">
-              <a:lnSpc>
-                <a:spcPct val="90000"/>
-              </a:lnSpc>
-              <a:spcBef>
-                <a:spcPts val="500"/>
-              </a:spcBef>
-              <a:buFont typeface="Arial" panose="020B0604020202020204" pitchFamily="34" charset="0"/>
-              <a:buChar char="•"/>
-              <a:defRPr sz="1800" kern="1200">
-                <a:solidFill>
-                  <a:schemeClr val="tx1"/>
-                </a:solidFill>
-                <a:latin typeface="+mn-lt"/>
-                <a:ea typeface="+mn-ea"/>
-                <a:cs typeface="+mn-cs"/>
-              </a:defRPr>
-            </a:lvl9pPr>
-          </a:lstStyle>
-          <a:p>
-            <a:r>
-              <a:rPr lang="ko-KR" altLang="en-US"/>
-              <a:t>변수</a:t>
-            </a:r>
-            <a:endParaRPr lang="en-US" altLang="ko-KR"/>
-          </a:p>
-          <a:p>
-            <a:pPr lvl="1"/>
-            <a:r>
-              <a:rPr lang="ko-KR" altLang="en-US" sz="1600">
-                <a:solidFill>
-                  <a:srgbClr val="000000"/>
-                </a:solidFill>
-                <a:latin typeface="+mn-ea"/>
-              </a:rPr>
-              <a:t>변수를 만들 때는 </a:t>
-            </a:r>
-            <a:r>
-              <a:rPr lang="en-US" altLang="ko-KR" sz="1600">
-                <a:solidFill>
-                  <a:srgbClr val="000000"/>
-                </a:solidFill>
-                <a:latin typeface="+mn-ea"/>
-              </a:rPr>
-              <a:t>let </a:t>
-            </a:r>
-            <a:r>
-              <a:rPr lang="ko-KR" altLang="en-US" sz="1600">
-                <a:solidFill>
-                  <a:srgbClr val="000000"/>
-                </a:solidFill>
-                <a:latin typeface="+mn-ea"/>
-              </a:rPr>
-              <a:t>키워드를 사용</a:t>
-            </a:r>
-            <a:endParaRPr lang="en-US" altLang="ko-KR" sz="1600">
-              <a:solidFill>
-                <a:srgbClr val="000000"/>
-              </a:solidFill>
-              <a:latin typeface="+mn-ea"/>
-            </a:endParaRPr>
-          </a:p>
-          <a:p>
-            <a:pPr lvl="1"/>
-            <a:endParaRPr lang="en-US" altLang="ko-KR" sz="1600">
-              <a:solidFill>
-                <a:srgbClr val="000000"/>
-              </a:solidFill>
-              <a:latin typeface="+mn-ea"/>
-            </a:endParaRPr>
-          </a:p>
-          <a:p>
-            <a:pPr lvl="1"/>
-            <a:endParaRPr lang="en-US" altLang="ko-KR" sz="1600">
-              <a:solidFill>
-                <a:srgbClr val="000000"/>
-              </a:solidFill>
-              <a:latin typeface="+mn-ea"/>
-            </a:endParaRPr>
-          </a:p>
-          <a:p>
-            <a:pPr lvl="1"/>
-            <a:endParaRPr lang="en-US" altLang="ko-KR" sz="1600">
-              <a:solidFill>
-                <a:srgbClr val="000000"/>
-              </a:solidFill>
-              <a:latin typeface="+mn-ea"/>
-            </a:endParaRPr>
-          </a:p>
-          <a:p>
-            <a:pPr lvl="1"/>
-            <a:endParaRPr lang="en-US" altLang="ko-KR" sz="1600">
-              <a:solidFill>
-                <a:srgbClr val="000000"/>
-              </a:solidFill>
-              <a:latin typeface="+mn-ea"/>
-            </a:endParaRPr>
-          </a:p>
-          <a:p>
-            <a:pPr lvl="1"/>
-            <a:endParaRPr lang="en-US" altLang="ko-KR" sz="1600">
-              <a:solidFill>
-                <a:srgbClr val="000000"/>
-              </a:solidFill>
-              <a:latin typeface="+mn-ea"/>
-            </a:endParaRPr>
-          </a:p>
-          <a:p>
-            <a:pPr lvl="1"/>
-            <a:endParaRPr lang="en-US" altLang="ko-KR" sz="1600">
-              <a:solidFill>
-                <a:srgbClr val="000000"/>
-              </a:solidFill>
-              <a:latin typeface="+mn-ea"/>
-            </a:endParaRPr>
-          </a:p>
-          <a:p>
-            <a:pPr lvl="1"/>
-            <a:endParaRPr lang="en-US" altLang="ko-KR" sz="1600">
-              <a:solidFill>
-                <a:srgbClr val="000000"/>
-              </a:solidFill>
-              <a:latin typeface="+mn-ea"/>
-            </a:endParaRPr>
-          </a:p>
-          <a:p>
-            <a:pPr lvl="1"/>
-            <a:endParaRPr lang="en-US" altLang="ko-KR" sz="1600">
-              <a:solidFill>
-                <a:srgbClr val="000000"/>
-              </a:solidFill>
-              <a:latin typeface="+mn-ea"/>
-            </a:endParaRPr>
-          </a:p>
-          <a:p>
-            <a:pPr lvl="1"/>
-            <a:r>
-              <a:rPr lang="ko-KR" altLang="en-US" sz="1600">
-                <a:solidFill>
-                  <a:srgbClr val="000000"/>
-                </a:solidFill>
-                <a:latin typeface="+mn-ea"/>
-              </a:rPr>
-              <a:t>변수의 값을 변경할 때는 변수 이름 뒤에 </a:t>
-            </a:r>
-            <a:r>
-              <a:rPr lang="en-US" altLang="ko-KR" sz="1600">
-                <a:solidFill>
-                  <a:srgbClr val="000000"/>
-                </a:solidFill>
-                <a:latin typeface="+mn-ea"/>
-              </a:rPr>
-              <a:t>= </a:t>
-            </a:r>
-            <a:r>
-              <a:rPr lang="ko-KR" altLang="en-US" sz="1600">
-                <a:solidFill>
-                  <a:srgbClr val="000000"/>
-                </a:solidFill>
-                <a:latin typeface="+mn-ea"/>
-              </a:rPr>
-              <a:t>기호를 입력하고 값을 기입</a:t>
-            </a:r>
-            <a:endParaRPr lang="en-US" altLang="ko-KR" sz="1600">
-              <a:solidFill>
-                <a:srgbClr val="000000"/>
-              </a:solidFill>
-              <a:latin typeface="+mn-ea"/>
-            </a:endParaRPr>
-          </a:p>
-          <a:p>
-            <a:pPr lvl="2"/>
-            <a:endParaRPr lang="en-US" altLang="ko-KR" sz="1400">
-              <a:latin typeface="+mn-ea"/>
-            </a:endParaRPr>
-          </a:p>
-          <a:p>
-            <a:pPr lvl="2"/>
-            <a:endParaRPr lang="en-US" altLang="ko-KR" sz="1400">
-              <a:latin typeface="+mn-ea"/>
-            </a:endParaRPr>
-          </a:p>
-          <a:p>
-            <a:pPr lvl="2"/>
-            <a:endParaRPr lang="en-US" altLang="ko-KR" sz="1400">
-              <a:latin typeface="+mn-ea"/>
-            </a:endParaRPr>
-          </a:p>
-          <a:p>
-            <a:pPr lvl="2"/>
-            <a:endParaRPr lang="en-US" altLang="ko-KR" sz="1400">
-              <a:latin typeface="+mn-ea"/>
-            </a:endParaRPr>
-          </a:p>
-          <a:p>
-            <a:pPr lvl="2"/>
-            <a:endParaRPr lang="en-US" altLang="ko-KR" sz="1400">
-              <a:latin typeface="+mn-ea"/>
-            </a:endParaRPr>
-          </a:p>
-          <a:p>
-            <a:pPr lvl="2"/>
-            <a:endParaRPr lang="en-US" altLang="ko-KR" sz="1400" dirty="0">
-              <a:latin typeface="+mn-ea"/>
-            </a:endParaRPr>
-          </a:p>
-        </p:txBody>
-      </p:sp>
       <p:graphicFrame>
         <p:nvGraphicFramePr>
           <p:cNvPr id="3" name="Table 4">
@@ -9276,10 +8828,16 @@
           <p:cNvGraphicFramePr>
             <a:graphicFrameLocks noGrp="1"/>
           </p:cNvGraphicFramePr>
-          <p:nvPr/>
+          <p:nvPr>
+            <p:extLst>
+              <p:ext uri="{D42A27DB-BD31-4B8C-83A1-F6EECF244321}">
+                <p14:modId xmlns:p14="http://schemas.microsoft.com/office/powerpoint/2010/main" val="836518035"/>
+              </p:ext>
+            </p:extLst>
+          </p:nvPr>
         </p:nvGraphicFramePr>
         <p:xfrm>
-          <a:off x="1791310" y="2086447"/>
+          <a:off x="541820" y="1753679"/>
           <a:ext cx="2385734" cy="2529840"/>
         </p:xfrm>
         <a:graphic>
@@ -9488,7 +9046,7 @@
         </p:nvSpPr>
         <p:spPr>
           <a:xfrm>
-            <a:off x="3854660" y="2105884"/>
+            <a:off x="2605170" y="1773116"/>
             <a:ext cx="4706814" cy="307777"/>
           </a:xfrm>
           <a:prstGeom prst="rect">
@@ -9556,7 +9114,7 @@
         </p:nvSpPr>
         <p:spPr>
           <a:xfrm>
-            <a:off x="3854660" y="2625817"/>
+            <a:off x="2605170" y="2293049"/>
             <a:ext cx="4706814" cy="307777"/>
           </a:xfrm>
           <a:prstGeom prst="rect">
@@ -9600,7 +9158,7 @@
         </p:nvSpPr>
         <p:spPr>
           <a:xfrm>
-            <a:off x="7044313" y="3839401"/>
+            <a:off x="5806181" y="3524224"/>
             <a:ext cx="3998076" cy="307777"/>
           </a:xfrm>
           <a:prstGeom prst="rect">
@@ -9644,7 +9202,7 @@
         </p:nvSpPr>
         <p:spPr>
           <a:xfrm>
-            <a:off x="3854660" y="3596613"/>
+            <a:off x="2605170" y="3263845"/>
             <a:ext cx="4706814" cy="307777"/>
           </a:xfrm>
           <a:prstGeom prst="rect">
@@ -9696,7 +9254,7 @@
         </p:nvSpPr>
         <p:spPr>
           <a:xfrm>
-            <a:off x="3854660" y="4070267"/>
+            <a:off x="2605170" y="3737499"/>
             <a:ext cx="4706814" cy="307777"/>
           </a:xfrm>
           <a:prstGeom prst="rect">
@@ -9748,7 +9306,7 @@
         </p:nvSpPr>
         <p:spPr>
           <a:xfrm>
-            <a:off x="3854660" y="3115055"/>
+            <a:off x="2605170" y="2782287"/>
             <a:ext cx="6107722" cy="307777"/>
           </a:xfrm>
           <a:prstGeom prst="rect">
@@ -9803,7 +9361,7 @@
         </p:nvCxnSpPr>
         <p:spPr>
           <a:xfrm>
-            <a:off x="3555721" y="2259772"/>
+            <a:off x="2306231" y="1927004"/>
             <a:ext cx="298939" cy="0"/>
           </a:xfrm>
           <a:prstGeom prst="straightConnector1">
@@ -9847,7 +9405,7 @@
         </p:nvCxnSpPr>
         <p:spPr>
           <a:xfrm>
-            <a:off x="3075075" y="2758920"/>
+            <a:off x="1825585" y="2426152"/>
             <a:ext cx="480646" cy="0"/>
           </a:xfrm>
           <a:prstGeom prst="straightConnector1">
@@ -9891,7 +9449,7 @@
         </p:nvCxnSpPr>
         <p:spPr>
           <a:xfrm>
-            <a:off x="3075075" y="3243214"/>
+            <a:off x="1825585" y="2910446"/>
             <a:ext cx="480646" cy="0"/>
           </a:xfrm>
           <a:prstGeom prst="straightConnector1">
@@ -9935,7 +9493,7 @@
         </p:nvCxnSpPr>
         <p:spPr>
           <a:xfrm>
-            <a:off x="3075075" y="3750377"/>
+            <a:off x="1825585" y="3417609"/>
             <a:ext cx="480646" cy="0"/>
           </a:xfrm>
           <a:prstGeom prst="straightConnector1">
@@ -9979,7 +9537,7 @@
         </p:nvCxnSpPr>
         <p:spPr>
           <a:xfrm>
-            <a:off x="3075075" y="4233023"/>
+            <a:off x="1825585" y="3900255"/>
             <a:ext cx="480646" cy="0"/>
           </a:xfrm>
           <a:prstGeom prst="straightConnector1">
@@ -10021,7 +9579,7 @@
         </p:nvSpPr>
         <p:spPr>
           <a:xfrm>
-            <a:off x="6483559" y="3724977"/>
+            <a:off x="5234069" y="3392209"/>
             <a:ext cx="215900" cy="511574"/>
           </a:xfrm>
           <a:prstGeom prst="rightBracket">
@@ -10070,7 +9628,7 @@
         </p:nvCxnSpPr>
         <p:spPr>
           <a:xfrm>
-            <a:off x="6699459" y="3993290"/>
+            <a:off x="5449969" y="3660522"/>
             <a:ext cx="298939" cy="0"/>
           </a:xfrm>
           <a:prstGeom prst="straightConnector1">
@@ -10110,10 +9668,16 @@
           <p:cNvGraphicFramePr>
             <a:graphicFrameLocks noGrp="1"/>
           </p:cNvGraphicFramePr>
-          <p:nvPr/>
+          <p:nvPr>
+            <p:extLst>
+              <p:ext uri="{D42A27DB-BD31-4B8C-83A1-F6EECF244321}">
+                <p14:modId xmlns:p14="http://schemas.microsoft.com/office/powerpoint/2010/main" val="1612198758"/>
+              </p:ext>
+            </p:extLst>
+          </p:nvPr>
         </p:nvGraphicFramePr>
         <p:xfrm>
-          <a:off x="1791310" y="5381709"/>
+          <a:off x="541820" y="5389401"/>
           <a:ext cx="6107722" cy="335280"/>
         </p:xfrm>
         <a:graphic>
@@ -10210,6 +9774,84 @@
           </a:graphicData>
         </a:graphic>
       </p:graphicFrame>
+      <p:sp>
+        <p:nvSpPr>
+          <p:cNvPr id="20" name="TextBox 19">
+            <a:extLst>
+              <a:ext uri="{FF2B5EF4-FFF2-40B4-BE49-F238E27FC236}">
+                <a16:creationId xmlns:a16="http://schemas.microsoft.com/office/drawing/2014/main" id="{A9CEFF38-8116-EF46-8FD0-AC8E67713054}"/>
+              </a:ext>
+            </a:extLst>
+          </p:cNvPr>
+          <p:cNvSpPr txBox="1"/>
+          <p:nvPr/>
+        </p:nvSpPr>
+        <p:spPr>
+          <a:xfrm>
+            <a:off x="386613" y="1170189"/>
+            <a:ext cx="6096946" cy="369332"/>
+          </a:xfrm>
+          <a:prstGeom prst="rect">
+            <a:avLst/>
+          </a:prstGeom>
+          <a:noFill/>
+        </p:spPr>
+        <p:txBody>
+          <a:bodyPr wrap="square">
+            <a:spAutoFit/>
+          </a:bodyPr>
+          <a:lstStyle/>
+          <a:p>
+            <a:r>
+              <a:rPr lang="ko-KR" altLang="en-US" dirty="0"/>
+              <a:t>변수를 만들 때는 </a:t>
+            </a:r>
+            <a:r>
+              <a:rPr lang="ko-KR" altLang="en-US" dirty="0" err="1"/>
+              <a:t>let</a:t>
+            </a:r>
+            <a:r>
+              <a:rPr lang="ko-KR" altLang="en-US" dirty="0"/>
+              <a:t> 키워드를 사용</a:t>
+            </a:r>
+          </a:p>
+        </p:txBody>
+      </p:sp>
+      <p:sp>
+        <p:nvSpPr>
+          <p:cNvPr id="22" name="TextBox 21">
+            <a:extLst>
+              <a:ext uri="{FF2B5EF4-FFF2-40B4-BE49-F238E27FC236}">
+                <a16:creationId xmlns:a16="http://schemas.microsoft.com/office/drawing/2014/main" id="{4D1A287A-A0C2-5052-D216-B52BFE9696B8}"/>
+              </a:ext>
+            </a:extLst>
+          </p:cNvPr>
+          <p:cNvSpPr txBox="1"/>
+          <p:nvPr/>
+        </p:nvSpPr>
+        <p:spPr>
+          <a:xfrm>
+            <a:off x="429536" y="4819434"/>
+            <a:ext cx="8538399" cy="369332"/>
+          </a:xfrm>
+          <a:prstGeom prst="rect">
+            <a:avLst/>
+          </a:prstGeom>
+          <a:noFill/>
+        </p:spPr>
+        <p:txBody>
+          <a:bodyPr wrap="square">
+            <a:spAutoFit/>
+          </a:bodyPr>
+          <a:lstStyle/>
+          <a:p>
+            <a:r>
+              <a:rPr lang="ko-KR" altLang="en-US" dirty="0"/>
+              <a:t>변수의 값을 변경할 때는 변수 이름 뒤에 = 기호를 입력하고 값을 기입</a:t>
+            </a:r>
+          </a:p>
+        </p:txBody>
+      </p:sp>
     </p:spTree>
     <p:extLst>
       <p:ext uri="{BB962C8B-B14F-4D97-AF65-F5344CB8AC3E}">
@@ -10279,362 +9921,6 @@
           </a:p>
         </p:txBody>
       </p:sp>
-      <p:sp>
-        <p:nvSpPr>
-          <p:cNvPr id="2" name="텍스트 개체 틀 8">
-            <a:extLst>
-              <a:ext uri="{FF2B5EF4-FFF2-40B4-BE49-F238E27FC236}">
-                <a16:creationId xmlns:a16="http://schemas.microsoft.com/office/drawing/2014/main" id="{75A5E075-7A5C-2AFD-CA5E-B64D92D400D1}"/>
-              </a:ext>
-            </a:extLst>
-          </p:cNvPr>
-          <p:cNvSpPr txBox="1">
-            <a:spLocks/>
-          </p:cNvSpPr>
-          <p:nvPr/>
-        </p:nvSpPr>
-        <p:spPr>
-          <a:xfrm>
-            <a:off x="405372" y="1244993"/>
-            <a:ext cx="11281052" cy="4999638"/>
-          </a:xfrm>
-          <a:prstGeom prst="rect">
-            <a:avLst/>
-          </a:prstGeom>
-        </p:spPr>
-        <p:txBody>
-          <a:bodyPr>
-            <a:normAutofit/>
-          </a:bodyPr>
-          <a:lstStyle>
-            <a:lvl1pPr marL="228600" indent="-228600" algn="l" defTabSz="914400" rtl="0" eaLnBrk="1" latinLnBrk="1" hangingPunct="1">
-              <a:lnSpc>
-                <a:spcPct val="90000"/>
-              </a:lnSpc>
-              <a:spcBef>
-                <a:spcPts val="1000"/>
-              </a:spcBef>
-              <a:buFont typeface="Arial" panose="020B0604020202020204" pitchFamily="34" charset="0"/>
-              <a:buChar char="•"/>
-              <a:defRPr sz="2800" kern="1200">
-                <a:solidFill>
-                  <a:schemeClr val="tx1"/>
-                </a:solidFill>
-                <a:latin typeface="+mn-lt"/>
-                <a:ea typeface="+mn-ea"/>
-                <a:cs typeface="+mn-cs"/>
-              </a:defRPr>
-            </a:lvl1pPr>
-            <a:lvl2pPr marL="685800" indent="-228600" algn="l" defTabSz="914400" rtl="0" eaLnBrk="1" latinLnBrk="1" hangingPunct="1">
-              <a:lnSpc>
-                <a:spcPct val="90000"/>
-              </a:lnSpc>
-              <a:spcBef>
-                <a:spcPts val="500"/>
-              </a:spcBef>
-              <a:buFont typeface="Arial" panose="020B0604020202020204" pitchFamily="34" charset="0"/>
-              <a:buChar char="•"/>
-              <a:defRPr sz="2400" kern="1200">
-                <a:solidFill>
-                  <a:schemeClr val="tx1"/>
-                </a:solidFill>
-                <a:latin typeface="+mn-lt"/>
-                <a:ea typeface="+mn-ea"/>
-                <a:cs typeface="+mn-cs"/>
-              </a:defRPr>
-            </a:lvl2pPr>
-            <a:lvl3pPr marL="1143000" indent="-228600" algn="l" defTabSz="914400" rtl="0" eaLnBrk="1" latinLnBrk="1" hangingPunct="1">
-              <a:lnSpc>
-                <a:spcPct val="90000"/>
-              </a:lnSpc>
-              <a:spcBef>
-                <a:spcPts val="500"/>
-              </a:spcBef>
-              <a:buFont typeface="Arial" panose="020B0604020202020204" pitchFamily="34" charset="0"/>
-              <a:buChar char="•"/>
-              <a:defRPr sz="2000" kern="1200">
-                <a:solidFill>
-                  <a:schemeClr val="tx1"/>
-                </a:solidFill>
-                <a:latin typeface="+mn-lt"/>
-                <a:ea typeface="+mn-ea"/>
-                <a:cs typeface="+mn-cs"/>
-              </a:defRPr>
-            </a:lvl3pPr>
-            <a:lvl4pPr marL="1600200" indent="-228600" algn="l" defTabSz="914400" rtl="0" eaLnBrk="1" latinLnBrk="1" hangingPunct="1">
-              <a:lnSpc>
-                <a:spcPct val="90000"/>
-              </a:lnSpc>
-              <a:spcBef>
-                <a:spcPts val="500"/>
-              </a:spcBef>
-              <a:buFont typeface="Arial" panose="020B0604020202020204" pitchFamily="34" charset="0"/>
-              <a:buChar char="•"/>
-              <a:defRPr sz="1800" kern="1200">
-                <a:solidFill>
-                  <a:schemeClr val="tx1"/>
-                </a:solidFill>
-                <a:latin typeface="+mn-lt"/>
-                <a:ea typeface="+mn-ea"/>
-                <a:cs typeface="+mn-cs"/>
-              </a:defRPr>
-            </a:lvl4pPr>
-            <a:lvl5pPr marL="2057400" indent="-228600" algn="l" defTabSz="914400" rtl="0" eaLnBrk="1" latinLnBrk="1" hangingPunct="1">
-              <a:lnSpc>
-                <a:spcPct val="90000"/>
-              </a:lnSpc>
-              <a:spcBef>
-                <a:spcPts val="500"/>
-              </a:spcBef>
-              <a:buFont typeface="Arial" panose="020B0604020202020204" pitchFamily="34" charset="0"/>
-              <a:buChar char="•"/>
-              <a:defRPr sz="1800" kern="1200">
-                <a:solidFill>
-                  <a:schemeClr val="tx1"/>
-                </a:solidFill>
-                <a:latin typeface="+mn-lt"/>
-                <a:ea typeface="+mn-ea"/>
-                <a:cs typeface="+mn-cs"/>
-              </a:defRPr>
-            </a:lvl5pPr>
-            <a:lvl6pPr marL="2514600" indent="-228600" algn="l" defTabSz="914400" rtl="0" eaLnBrk="1" latinLnBrk="1" hangingPunct="1">
-              <a:lnSpc>
-                <a:spcPct val="90000"/>
-              </a:lnSpc>
-              <a:spcBef>
-                <a:spcPts val="500"/>
-              </a:spcBef>
-              <a:buFont typeface="Arial" panose="020B0604020202020204" pitchFamily="34" charset="0"/>
-              <a:buChar char="•"/>
-              <a:defRPr sz="1800" kern="1200">
-                <a:solidFill>
-                  <a:schemeClr val="tx1"/>
-                </a:solidFill>
-                <a:latin typeface="+mn-lt"/>
-                <a:ea typeface="+mn-ea"/>
-                <a:cs typeface="+mn-cs"/>
-              </a:defRPr>
-            </a:lvl6pPr>
-            <a:lvl7pPr marL="2971800" indent="-228600" algn="l" defTabSz="914400" rtl="0" eaLnBrk="1" latinLnBrk="1" hangingPunct="1">
-              <a:lnSpc>
-                <a:spcPct val="90000"/>
-              </a:lnSpc>
-              <a:spcBef>
-                <a:spcPts val="500"/>
-              </a:spcBef>
-              <a:buFont typeface="Arial" panose="020B0604020202020204" pitchFamily="34" charset="0"/>
-              <a:buChar char="•"/>
-              <a:defRPr sz="1800" kern="1200">
-                <a:solidFill>
-                  <a:schemeClr val="tx1"/>
-                </a:solidFill>
-                <a:latin typeface="+mn-lt"/>
-                <a:ea typeface="+mn-ea"/>
-                <a:cs typeface="+mn-cs"/>
-              </a:defRPr>
-            </a:lvl7pPr>
-            <a:lvl8pPr marL="3429000" indent="-228600" algn="l" defTabSz="914400" rtl="0" eaLnBrk="1" latinLnBrk="1" hangingPunct="1">
-              <a:lnSpc>
-                <a:spcPct val="90000"/>
-              </a:lnSpc>
-              <a:spcBef>
-                <a:spcPts val="500"/>
-              </a:spcBef>
-              <a:buFont typeface="Arial" panose="020B0604020202020204" pitchFamily="34" charset="0"/>
-              <a:buChar char="•"/>
-              <a:defRPr sz="1800" kern="1200">
-                <a:solidFill>
-                  <a:schemeClr val="tx1"/>
-                </a:solidFill>
-                <a:latin typeface="+mn-lt"/>
-                <a:ea typeface="+mn-ea"/>
-                <a:cs typeface="+mn-cs"/>
-              </a:defRPr>
-            </a:lvl8pPr>
-            <a:lvl9pPr marL="3886200" indent="-228600" algn="l" defTabSz="914400" rtl="0" eaLnBrk="1" latinLnBrk="1" hangingPunct="1">
-              <a:lnSpc>
-                <a:spcPct val="90000"/>
-              </a:lnSpc>
-              <a:spcBef>
-                <a:spcPts val="500"/>
-              </a:spcBef>
-              <a:buFont typeface="Arial" panose="020B0604020202020204" pitchFamily="34" charset="0"/>
-              <a:buChar char="•"/>
-              <a:defRPr sz="1800" kern="1200">
-                <a:solidFill>
-                  <a:schemeClr val="tx1"/>
-                </a:solidFill>
-                <a:latin typeface="+mn-lt"/>
-                <a:ea typeface="+mn-ea"/>
-                <a:cs typeface="+mn-cs"/>
-              </a:defRPr>
-            </a:lvl9pPr>
-          </a:lstStyle>
-          <a:p>
-            <a:r>
-              <a:rPr lang="ko-KR" altLang="en-US"/>
-              <a:t>변수</a:t>
-            </a:r>
-            <a:endParaRPr lang="en-US" altLang="ko-KR"/>
-          </a:p>
-          <a:p>
-            <a:pPr lvl="1"/>
-            <a:r>
-              <a:rPr lang="en-US" altLang="ko-KR" sz="1600">
-                <a:solidFill>
-                  <a:srgbClr val="000000"/>
-                </a:solidFill>
-                <a:latin typeface="+mn-ea"/>
-              </a:rPr>
-              <a:t>Identifier has already been declared(</a:t>
-            </a:r>
-            <a:r>
-              <a:rPr lang="ko-KR" altLang="en-US" sz="1600">
-                <a:solidFill>
-                  <a:srgbClr val="000000"/>
-                </a:solidFill>
-                <a:latin typeface="+mn-ea"/>
-              </a:rPr>
-              <a:t>구문 오류</a:t>
-            </a:r>
-            <a:r>
-              <a:rPr lang="en-US" altLang="ko-KR" sz="1600">
-                <a:solidFill>
-                  <a:srgbClr val="000000"/>
-                </a:solidFill>
-                <a:latin typeface="+mn-ea"/>
-              </a:rPr>
-              <a:t>)</a:t>
-            </a:r>
-          </a:p>
-          <a:p>
-            <a:pPr lvl="2"/>
-            <a:r>
-              <a:rPr lang="ko-KR" altLang="en-US" sz="1400">
-                <a:solidFill>
-                  <a:srgbClr val="000000"/>
-                </a:solidFill>
-                <a:latin typeface="+mn-ea"/>
-              </a:rPr>
-              <a:t>상수와 마찬가지로 특정한 이름의 변수는 한 파일에서 한 번만 선언</a:t>
-            </a:r>
-            <a:r>
-              <a:rPr lang="en-US" altLang="ko-KR" sz="1400">
-                <a:solidFill>
-                  <a:srgbClr val="000000"/>
-                </a:solidFill>
-                <a:latin typeface="+mn-ea"/>
-              </a:rPr>
-              <a:t>. </a:t>
-            </a:r>
-            <a:r>
-              <a:rPr lang="ko-KR" altLang="en-US" sz="1400">
-                <a:solidFill>
-                  <a:srgbClr val="000000"/>
-                </a:solidFill>
-                <a:latin typeface="+mn-ea"/>
-              </a:rPr>
-              <a:t>만약 같은 이름으로 변수를 한 번 더 선언하면 다음과 같은 오류를 발생</a:t>
-            </a:r>
-            <a:endParaRPr lang="en-US" altLang="ko-KR" sz="1400">
-              <a:solidFill>
-                <a:srgbClr val="000000"/>
-              </a:solidFill>
-              <a:latin typeface="+mn-ea"/>
-            </a:endParaRPr>
-          </a:p>
-          <a:p>
-            <a:pPr lvl="1"/>
-            <a:endParaRPr lang="en-US" altLang="ko-KR" sz="1600">
-              <a:solidFill>
-                <a:srgbClr val="000000"/>
-              </a:solidFill>
-              <a:latin typeface="+mn-ea"/>
-            </a:endParaRPr>
-          </a:p>
-          <a:p>
-            <a:pPr lvl="1"/>
-            <a:endParaRPr lang="en-US" altLang="ko-KR" sz="1600">
-              <a:solidFill>
-                <a:srgbClr val="000000"/>
-              </a:solidFill>
-              <a:latin typeface="+mn-ea"/>
-            </a:endParaRPr>
-          </a:p>
-          <a:p>
-            <a:pPr lvl="1"/>
-            <a:endParaRPr lang="en-US" altLang="ko-KR" sz="1600">
-              <a:solidFill>
-                <a:srgbClr val="000000"/>
-              </a:solidFill>
-              <a:latin typeface="+mn-ea"/>
-            </a:endParaRPr>
-          </a:p>
-          <a:p>
-            <a:pPr lvl="1"/>
-            <a:endParaRPr lang="en-US" altLang="ko-KR" sz="1600">
-              <a:solidFill>
-                <a:srgbClr val="000000"/>
-              </a:solidFill>
-              <a:latin typeface="+mn-ea"/>
-            </a:endParaRPr>
-          </a:p>
-          <a:p>
-            <a:pPr lvl="1"/>
-            <a:endParaRPr lang="en-US" altLang="ko-KR" sz="1600">
-              <a:solidFill>
-                <a:srgbClr val="000000"/>
-              </a:solidFill>
-              <a:latin typeface="+mn-ea"/>
-            </a:endParaRPr>
-          </a:p>
-          <a:p>
-            <a:pPr lvl="2"/>
-            <a:r>
-              <a:rPr lang="ko-KR" altLang="en-US" sz="1400">
-                <a:solidFill>
-                  <a:srgbClr val="000000"/>
-                </a:solidFill>
-                <a:latin typeface="+mn-ea"/>
-              </a:rPr>
-              <a:t>다른 이름의 식별자를 사용해서 변수를 선언하면 해결</a:t>
-            </a:r>
-            <a:endParaRPr lang="en-US" altLang="ko-KR" sz="1200">
-              <a:latin typeface="+mn-ea"/>
-            </a:endParaRPr>
-          </a:p>
-          <a:p>
-            <a:pPr lvl="2"/>
-            <a:endParaRPr lang="en-US" altLang="ko-KR" sz="1400">
-              <a:latin typeface="+mn-ea"/>
-            </a:endParaRPr>
-          </a:p>
-          <a:p>
-            <a:pPr lvl="2"/>
-            <a:endParaRPr lang="en-US" altLang="ko-KR" sz="1400">
-              <a:latin typeface="+mn-ea"/>
-            </a:endParaRPr>
-          </a:p>
-          <a:p>
-            <a:pPr lvl="2"/>
-            <a:endParaRPr lang="en-US" altLang="ko-KR" sz="1400">
-              <a:latin typeface="+mn-ea"/>
-            </a:endParaRPr>
-          </a:p>
-          <a:p>
-            <a:pPr lvl="2"/>
-            <a:endParaRPr lang="en-US" altLang="ko-KR" sz="1400">
-              <a:latin typeface="+mn-ea"/>
-            </a:endParaRPr>
-          </a:p>
-          <a:p>
-            <a:pPr lvl="2"/>
-            <a:endParaRPr lang="en-US" altLang="ko-KR" sz="1400" dirty="0">
-              <a:latin typeface="+mn-ea"/>
-            </a:endParaRPr>
-          </a:p>
-        </p:txBody>
-      </p:sp>
       <p:graphicFrame>
         <p:nvGraphicFramePr>
           <p:cNvPr id="3" name="Table 4">
@@ -10647,10 +9933,16 @@
           <p:cNvGraphicFramePr>
             <a:graphicFrameLocks noGrp="1"/>
           </p:cNvGraphicFramePr>
-          <p:nvPr/>
+          <p:nvPr>
+            <p:extLst>
+              <p:ext uri="{D42A27DB-BD31-4B8C-83A1-F6EECF244321}">
+                <p14:modId xmlns:p14="http://schemas.microsoft.com/office/powerpoint/2010/main" val="1043248488"/>
+              </p:ext>
+            </p:extLst>
+          </p:nvPr>
         </p:nvGraphicFramePr>
         <p:xfrm>
-          <a:off x="1461450" y="2642137"/>
+          <a:off x="441376" y="2206010"/>
           <a:ext cx="6107722" cy="1066800"/>
         </p:xfrm>
         <a:graphic>
@@ -10815,7 +10107,7 @@
         </p:nvSpPr>
         <p:spPr>
           <a:xfrm>
-            <a:off x="6894875" y="2883149"/>
+            <a:off x="5874801" y="2447022"/>
             <a:ext cx="3460750" cy="584775"/>
           </a:xfrm>
           <a:prstGeom prst="rect">
@@ -10873,10 +10165,16 @@
           <p:cNvGraphicFramePr>
             <a:graphicFrameLocks noGrp="1"/>
           </p:cNvGraphicFramePr>
-          <p:nvPr/>
+          <p:nvPr>
+            <p:extLst>
+              <p:ext uri="{D42A27DB-BD31-4B8C-83A1-F6EECF244321}">
+                <p14:modId xmlns:p14="http://schemas.microsoft.com/office/powerpoint/2010/main" val="1952139869"/>
+              </p:ext>
+            </p:extLst>
+          </p:nvPr>
         </p:nvGraphicFramePr>
         <p:xfrm>
-          <a:off x="1461450" y="4774189"/>
+          <a:off x="452152" y="4632202"/>
           <a:ext cx="6107722" cy="1066800"/>
         </p:xfrm>
         <a:graphic>
@@ -11073,7 +10371,7 @@
         </p:nvSpPr>
         <p:spPr>
           <a:xfrm>
-            <a:off x="4083957" y="3858985"/>
+            <a:off x="3063883" y="3422858"/>
             <a:ext cx="431354" cy="257542"/>
           </a:xfrm>
           <a:prstGeom prst="downArrow">
@@ -11110,6 +10408,147 @@
           <a:p>
             <a:pPr algn="ctr"/>
             <a:endParaRPr lang="ko-KR" altLang="en-US"/>
+          </a:p>
+        </p:txBody>
+      </p:sp>
+      <p:sp>
+        <p:nvSpPr>
+          <p:cNvPr id="9" name="TextBox 8">
+            <a:extLst>
+              <a:ext uri="{FF2B5EF4-FFF2-40B4-BE49-F238E27FC236}">
+                <a16:creationId xmlns:a16="http://schemas.microsoft.com/office/drawing/2014/main" id="{2253060C-BA11-A593-828F-9BAC9C1602C2}"/>
+              </a:ext>
+            </a:extLst>
+          </p:cNvPr>
+          <p:cNvSpPr txBox="1"/>
+          <p:nvPr/>
+        </p:nvSpPr>
+        <p:spPr>
+          <a:xfrm>
+            <a:off x="306647" y="1104581"/>
+            <a:ext cx="6096946" cy="369332"/>
+          </a:xfrm>
+          <a:prstGeom prst="rect">
+            <a:avLst/>
+          </a:prstGeom>
+          <a:noFill/>
+        </p:spPr>
+        <p:txBody>
+          <a:bodyPr wrap="square">
+            <a:spAutoFit/>
+          </a:bodyPr>
+          <a:lstStyle/>
+          <a:p>
+            <a:r>
+              <a:rPr lang="ko-KR" altLang="en-US" dirty="0" err="1"/>
+              <a:t>Identifier</a:t>
+            </a:r>
+            <a:r>
+              <a:rPr lang="ko-KR" altLang="en-US" dirty="0"/>
+              <a:t> </a:t>
+            </a:r>
+            <a:r>
+              <a:rPr lang="ko-KR" altLang="en-US" dirty="0" err="1"/>
+              <a:t>has</a:t>
+            </a:r>
+            <a:r>
+              <a:rPr lang="ko-KR" altLang="en-US" dirty="0"/>
+              <a:t> </a:t>
+            </a:r>
+            <a:r>
+              <a:rPr lang="ko-KR" altLang="en-US" dirty="0" err="1"/>
+              <a:t>already</a:t>
+            </a:r>
+            <a:r>
+              <a:rPr lang="ko-KR" altLang="en-US" dirty="0"/>
+              <a:t> </a:t>
+            </a:r>
+            <a:r>
+              <a:rPr lang="ko-KR" altLang="en-US" dirty="0" err="1"/>
+              <a:t>been</a:t>
+            </a:r>
+            <a:r>
+              <a:rPr lang="ko-KR" altLang="en-US" dirty="0"/>
+              <a:t> </a:t>
+            </a:r>
+            <a:r>
+              <a:rPr lang="ko-KR" altLang="en-US" dirty="0" err="1"/>
+              <a:t>declared</a:t>
+            </a:r>
+            <a:r>
+              <a:rPr lang="ko-KR" altLang="en-US" dirty="0"/>
+              <a:t>(구문 오류)</a:t>
+            </a:r>
+          </a:p>
+        </p:txBody>
+      </p:sp>
+      <p:sp>
+        <p:nvSpPr>
+          <p:cNvPr id="11" name="TextBox 10">
+            <a:extLst>
+              <a:ext uri="{FF2B5EF4-FFF2-40B4-BE49-F238E27FC236}">
+                <a16:creationId xmlns:a16="http://schemas.microsoft.com/office/drawing/2014/main" id="{07CE01C1-6929-EDDC-81EC-0046371BF564}"/>
+              </a:ext>
+            </a:extLst>
+          </p:cNvPr>
+          <p:cNvSpPr txBox="1"/>
+          <p:nvPr/>
+        </p:nvSpPr>
+        <p:spPr>
+          <a:xfrm>
+            <a:off x="282981" y="1558605"/>
+            <a:ext cx="11281051" cy="276999"/>
+          </a:xfrm>
+          <a:prstGeom prst="rect">
+            <a:avLst/>
+          </a:prstGeom>
+          <a:noFill/>
+        </p:spPr>
+        <p:txBody>
+          <a:bodyPr wrap="square">
+            <a:spAutoFit/>
+          </a:bodyPr>
+          <a:lstStyle/>
+          <a:p>
+            <a:r>
+              <a:rPr lang="ko-KR" altLang="en-US" sz="1200" dirty="0"/>
+              <a:t>상수와 마찬가지로 특정한 이름의 변수는 한 파일에서 한 번만 선언. 만약 같은 이름으로 변수를 한 번 더 선언하면 다음과 같은 오류를 발생</a:t>
+            </a:r>
+          </a:p>
+        </p:txBody>
+      </p:sp>
+      <p:sp>
+        <p:nvSpPr>
+          <p:cNvPr id="13" name="TextBox 12">
+            <a:extLst>
+              <a:ext uri="{FF2B5EF4-FFF2-40B4-BE49-F238E27FC236}">
+                <a16:creationId xmlns:a16="http://schemas.microsoft.com/office/drawing/2014/main" id="{AB5EED87-4AB3-C3B8-2648-72B1D70FA1F1}"/>
+              </a:ext>
+            </a:extLst>
+          </p:cNvPr>
+          <p:cNvSpPr txBox="1"/>
+          <p:nvPr/>
+        </p:nvSpPr>
+        <p:spPr>
+          <a:xfrm>
+            <a:off x="452152" y="3997267"/>
+            <a:ext cx="6096946" cy="369332"/>
+          </a:xfrm>
+          <a:prstGeom prst="rect">
+            <a:avLst/>
+          </a:prstGeom>
+          <a:noFill/>
+        </p:spPr>
+        <p:txBody>
+          <a:bodyPr wrap="square">
+            <a:spAutoFit/>
+          </a:bodyPr>
+          <a:lstStyle/>
+          <a:p>
+            <a:r>
+              <a:rPr lang="ko-KR" altLang="en-US" dirty="0"/>
+              <a:t>다른 이름의 식별자를 사용해서 변수를 선언하면 해결</a:t>
+            </a:r>
           </a:p>
         </p:txBody>
       </p:sp>
@@ -12080,14 +11519,16 @@
             </a:extLst>
           </p:cNvPr>
           <p:cNvCxnSpPr>
+            <a:cxnSpLocks/>
             <a:stCxn id="10" idx="1"/>
+            <a:endCxn id="9" idx="2"/>
           </p:cNvCxnSpPr>
           <p:nvPr/>
         </p:nvCxnSpPr>
         <p:spPr>
           <a:xfrm rot="10800000">
-            <a:off x="4123714" y="5768036"/>
-            <a:ext cx="445770" cy="569327"/>
+            <a:off x="3608446" y="5831302"/>
+            <a:ext cx="961039" cy="506061"/>
           </a:xfrm>
           <a:prstGeom prst="bentConnector2">
             <a:avLst/>
@@ -15802,8 +15243,8 @@
         </p:nvSpPr>
         <p:spPr>
           <a:xfrm>
-            <a:off x="455474" y="1200700"/>
-            <a:ext cx="11281052" cy="5657300"/>
+            <a:off x="354425" y="1429300"/>
+            <a:ext cx="11281052" cy="4581034"/>
           </a:xfrm>
           <a:prstGeom prst="rect">
             <a:avLst/>
@@ -15978,20 +15419,9 @@
             </a:lvl9pPr>
           </a:lstStyle>
           <a:p>
-            <a:r>
-              <a:rPr lang="en-US" altLang="ko-KR"/>
-              <a:t>undefined </a:t>
-            </a:r>
-            <a:r>
-              <a:rPr lang="ko-KR" altLang="en-US"/>
-              <a:t>자료형</a:t>
-            </a:r>
-            <a:endParaRPr lang="en-US" altLang="ko-KR"/>
-          </a:p>
-          <a:p>
             <a:pPr lvl="1"/>
             <a:r>
-              <a:rPr lang="ko-KR" altLang="en-US" sz="1600">
+              <a:rPr lang="ko-KR" altLang="en-US" sz="1600" dirty="0">
                 <a:solidFill>
                   <a:srgbClr val="000000"/>
                 </a:solidFill>
@@ -15999,7 +15429,7 @@
               </a:rPr>
               <a:t>상수와 변수로 선언하지 않은 식별자</a:t>
             </a:r>
-            <a:endParaRPr lang="en-US" altLang="ko-KR" sz="1600">
+            <a:endParaRPr lang="en-US" altLang="ko-KR" sz="1600" dirty="0">
               <a:solidFill>
                 <a:srgbClr val="000000"/>
               </a:solidFill>
@@ -16009,7 +15439,7 @@
           <a:p>
             <a:pPr lvl="2"/>
             <a:r>
-              <a:rPr lang="ko-KR" altLang="en-US" sz="1400">
+              <a:rPr lang="ko-KR" altLang="en-US" sz="1400" dirty="0">
                 <a:solidFill>
                   <a:srgbClr val="000000"/>
                 </a:solidFill>
@@ -16018,34 +15448,61 @@
               <a:t>다음 코드의 “</a:t>
             </a:r>
             <a:r>
-              <a:rPr lang="en-US" altLang="ko-KR" sz="1400">
+              <a:rPr lang="en-US" altLang="ko-KR" sz="1400" dirty="0" err="1">
                 <a:solidFill>
                   <a:srgbClr val="000000"/>
                 </a:solidFill>
                 <a:latin typeface="+mn-ea"/>
               </a:rPr>
-              <a:t>abc”</a:t>
-            </a:r>
-            <a:r>
-              <a:rPr lang="ko-KR" altLang="en-US" sz="1400">
+              <a:t>abc</a:t>
+            </a:r>
+            <a:r>
+              <a:rPr lang="en-US" altLang="ko-KR" sz="1400" dirty="0">
                 <a:solidFill>
                   <a:srgbClr val="000000"/>
                 </a:solidFill>
                 <a:latin typeface="+mn-ea"/>
               </a:rPr>
-              <a:t>와 “그냥식별자”라는 식별자는 선언하지 않고 사용했으므로 </a:t>
-            </a:r>
-            <a:r>
-              <a:rPr lang="en-US" altLang="ko-KR" sz="1400">
+              <a:t>”</a:t>
+            </a:r>
+            <a:r>
+              <a:rPr lang="ko-KR" altLang="en-US" sz="1400" dirty="0">
                 <a:solidFill>
                   <a:srgbClr val="000000"/>
                 </a:solidFill>
                 <a:latin typeface="+mn-ea"/>
               </a:rPr>
+              <a:t>와 “</a:t>
+            </a:r>
+            <a:r>
+              <a:rPr lang="ko-KR" altLang="en-US" sz="1400" dirty="0" err="1">
+                <a:solidFill>
+                  <a:srgbClr val="000000"/>
+                </a:solidFill>
+                <a:latin typeface="+mn-ea"/>
+              </a:rPr>
+              <a:t>그냥식별자”라는</a:t>
+            </a:r>
+            <a:r>
+              <a:rPr lang="ko-KR" altLang="en-US" sz="1400" dirty="0">
+                <a:solidFill>
+                  <a:srgbClr val="000000"/>
+                </a:solidFill>
+                <a:latin typeface="+mn-ea"/>
+              </a:rPr>
+              <a:t> 식별자는 선언하지 않고 사용했으므로 </a:t>
+            </a:r>
+            <a:r>
+              <a:rPr lang="en-US" altLang="ko-KR" sz="1400" dirty="0">
+                <a:solidFill>
+                  <a:srgbClr val="000000"/>
+                </a:solidFill>
+                <a:latin typeface="+mn-ea"/>
+              </a:rPr>
               <a:t>undefined </a:t>
             </a:r>
             <a:r>
-              <a:rPr lang="ko-KR" altLang="en-US" sz="1400">
+              <a:rPr lang="ko-KR" altLang="en-US" sz="1400" dirty="0">
                 <a:solidFill>
                   <a:srgbClr val="000000"/>
                 </a:solidFill>
@@ -16053,7 +15510,7 @@
               </a:rPr>
               <a:t>자료형으로 나타남</a:t>
             </a:r>
-            <a:endParaRPr lang="en-US" altLang="ko-KR" sz="1400">
+            <a:endParaRPr lang="en-US" altLang="ko-KR" sz="1400" dirty="0">
               <a:solidFill>
                 <a:srgbClr val="000000"/>
               </a:solidFill>
@@ -16062,7 +15519,7 @@
           </a:p>
           <a:p>
             <a:pPr lvl="1"/>
-            <a:endParaRPr lang="en-US" altLang="ko-KR" sz="1600">
+            <a:endParaRPr lang="en-US" altLang="ko-KR" sz="1600" dirty="0">
               <a:solidFill>
                 <a:srgbClr val="000000"/>
               </a:solidFill>
@@ -16071,7 +15528,7 @@
           </a:p>
           <a:p>
             <a:pPr lvl="1"/>
-            <a:endParaRPr lang="en-US" altLang="ko-KR" sz="1600">
+            <a:endParaRPr lang="en-US" altLang="ko-KR" sz="1600" dirty="0">
               <a:solidFill>
                 <a:srgbClr val="000000"/>
               </a:solidFill>
@@ -16080,7 +15537,7 @@
           </a:p>
           <a:p>
             <a:pPr lvl="1"/>
-            <a:endParaRPr lang="en-US" altLang="ko-KR" sz="1600">
+            <a:endParaRPr lang="en-US" altLang="ko-KR" sz="1600" dirty="0">
               <a:solidFill>
                 <a:srgbClr val="000000"/>
               </a:solidFill>
@@ -16089,7 +15546,7 @@
           </a:p>
           <a:p>
             <a:pPr lvl="1"/>
-            <a:endParaRPr lang="en-US" altLang="ko-KR" sz="1600">
+            <a:endParaRPr lang="en-US" altLang="ko-KR" sz="1600" dirty="0">
               <a:solidFill>
                 <a:srgbClr val="000000"/>
               </a:solidFill>
@@ -16098,36 +15555,52 @@
           </a:p>
           <a:p>
             <a:pPr lvl="1"/>
-            <a:r>
-              <a:rPr lang="ko-KR" altLang="en-US" sz="1600">
-                <a:solidFill>
-                  <a:srgbClr val="000000"/>
-                </a:solidFill>
-              </a:rPr>
-              <a:t>값이 없는 변수 </a:t>
-            </a:r>
-            <a:endParaRPr lang="en-US" altLang="ko-KR" sz="1600">
+            <a:endParaRPr lang="en-US" altLang="ko-KR" sz="1600" dirty="0">
               <a:solidFill>
                 <a:srgbClr val="000000"/>
               </a:solidFill>
             </a:endParaRPr>
           </a:p>
           <a:p>
+            <a:pPr lvl="1"/>
+            <a:endParaRPr lang="en-US" altLang="ko-KR" sz="1600" dirty="0">
+              <a:solidFill>
+                <a:srgbClr val="000000"/>
+              </a:solidFill>
+            </a:endParaRPr>
+          </a:p>
+          <a:p>
+            <a:pPr lvl="1"/>
+            <a:r>
+              <a:rPr lang="ko-KR" altLang="en-US" sz="1600" dirty="0">
+                <a:solidFill>
+                  <a:srgbClr val="000000"/>
+                </a:solidFill>
+              </a:rPr>
+              <a:t>값이 없는 변수 </a:t>
+            </a:r>
+            <a:endParaRPr lang="en-US" altLang="ko-KR" sz="1600" dirty="0">
+              <a:solidFill>
+                <a:srgbClr val="000000"/>
+              </a:solidFill>
+            </a:endParaRPr>
+          </a:p>
+          <a:p>
             <a:pPr lvl="2"/>
             <a:r>
-              <a:rPr lang="ko-KR" altLang="en-US" sz="1400">
+              <a:rPr lang="ko-KR" altLang="en-US" sz="1400" dirty="0">
                 <a:latin typeface="+mn-ea"/>
               </a:rPr>
               <a:t>변수를 선언하면서 값을 지정하지 않은 경우에 해당 식별자는 </a:t>
             </a:r>
             <a:r>
-              <a:rPr lang="en-US" altLang="ko-KR" sz="1400">
+              <a:rPr lang="en-US" altLang="ko-KR" sz="1400" dirty="0">
                 <a:latin typeface="+mn-ea"/>
               </a:rPr>
               <a:t>undefined </a:t>
             </a:r>
             <a:r>
-              <a:rPr lang="ko-KR" altLang="en-US" sz="1400">
+              <a:rPr lang="ko-KR" altLang="en-US" sz="1400" dirty="0">
                 <a:latin typeface="+mn-ea"/>
               </a:rPr>
               <a:t>자료형이 됨</a:t>
@@ -16153,13 +15626,13 @@
           <p:nvPr>
             <p:extLst>
               <p:ext uri="{D42A27DB-BD31-4B8C-83A1-F6EECF244321}">
-                <p14:modId xmlns:p14="http://schemas.microsoft.com/office/powerpoint/2010/main" val="4025436274"/>
+                <p14:modId xmlns:p14="http://schemas.microsoft.com/office/powerpoint/2010/main" val="3071665958"/>
               </p:ext>
             </p:extLst>
           </p:nvPr>
         </p:nvGraphicFramePr>
         <p:xfrm>
-          <a:off x="1492459" y="2462631"/>
+          <a:off x="1492459" y="2299345"/>
           <a:ext cx="2865438" cy="1066800"/>
         </p:xfrm>
         <a:graphic>
@@ -16356,7 +15829,7 @@
         </p:nvSpPr>
         <p:spPr>
           <a:xfrm>
-            <a:off x="4357897" y="2978920"/>
+            <a:off x="4357897" y="2978919"/>
             <a:ext cx="3917950" cy="307777"/>
           </a:xfrm>
           <a:prstGeom prst="rect">
@@ -17040,6 +16513,45 @@
           </a:p>
         </p:txBody>
       </p:sp>
+      <p:sp>
+        <p:nvSpPr>
+          <p:cNvPr id="3" name="TextBox 2">
+            <a:extLst>
+              <a:ext uri="{FF2B5EF4-FFF2-40B4-BE49-F238E27FC236}">
+                <a16:creationId xmlns:a16="http://schemas.microsoft.com/office/drawing/2014/main" id="{E3F9D73F-9574-4CFE-4C06-E5EBCBB3FD45}"/>
+              </a:ext>
+            </a:extLst>
+          </p:cNvPr>
+          <p:cNvSpPr txBox="1"/>
+          <p:nvPr/>
+        </p:nvSpPr>
+        <p:spPr>
+          <a:xfrm>
+            <a:off x="306647" y="319086"/>
+            <a:ext cx="6377181" cy="707886"/>
+          </a:xfrm>
+          <a:prstGeom prst="rect">
+            <a:avLst/>
+          </a:prstGeom>
+          <a:noFill/>
+        </p:spPr>
+        <p:txBody>
+          <a:bodyPr wrap="square">
+            <a:spAutoFit/>
+          </a:bodyPr>
+          <a:lstStyle/>
+          <a:p>
+            <a:r>
+              <a:rPr lang="ko-KR" altLang="en-US" sz="4000" dirty="0">
+                <a:latin typeface="KoPubWorld돋움체 Bold" panose="00000800000000000000" pitchFamily="2" charset="-127"/>
+                <a:ea typeface="KoPubWorld돋움체 Bold" panose="00000800000000000000" pitchFamily="2" charset="-127"/>
+                <a:cs typeface="KoPubWorld돋움체 Bold" panose="00000800000000000000" pitchFamily="2" charset="-127"/>
+              </a:rPr>
+              <a:t>확인문제</a:t>
+            </a:r>
+          </a:p>
+        </p:txBody>
+      </p:sp>
     </p:spTree>
     <p:extLst>
       <p:ext uri="{BB962C8B-B14F-4D97-AF65-F5344CB8AC3E}">
@@ -17262,16 +16774,7 @@
             </a:lvl9pPr>
           </a:lstStyle>
           <a:p>
-            <a:r>
-              <a:rPr lang="ko-KR" altLang="en-US" sz="1800">
-                <a:solidFill>
-                  <a:srgbClr val="000000"/>
-                </a:solidFill>
-                <a:latin typeface="+mn-ea"/>
-              </a:rPr>
-              <a:t>확인 문제</a:t>
-            </a:r>
-            <a:endParaRPr lang="en-US" altLang="ko-KR" sz="1800">
+            <a:endParaRPr lang="en-US" altLang="ko-KR" sz="1800" dirty="0">
               <a:solidFill>
                 <a:srgbClr val="000000"/>
               </a:solidFill>
@@ -17284,7 +16787,7 @@
               <a:buAutoNum type="arabicPeriod" startAt="3"/>
             </a:pPr>
             <a:r>
-              <a:rPr lang="ko-KR" altLang="en-US" sz="1800">
+              <a:rPr lang="ko-KR" altLang="en-US" sz="1800" dirty="0">
                 <a:solidFill>
                   <a:srgbClr val="000000"/>
                 </a:solidFill>
@@ -17293,7 +16796,7 @@
               <a:t>다음 프로그램 중에서 오류를 발생하는 것을 찾고</a:t>
             </a:r>
             <a:r>
-              <a:rPr lang="en-US" altLang="ko-KR" sz="1800">
+              <a:rPr lang="en-US" altLang="ko-KR" sz="1800" dirty="0">
                 <a:solidFill>
                   <a:srgbClr val="000000"/>
                 </a:solidFill>
@@ -17302,7 +16805,7 @@
               <a:t>, </a:t>
             </a:r>
             <a:r>
-              <a:rPr lang="ko-KR" altLang="en-US" sz="1800">
+              <a:rPr lang="ko-KR" altLang="en-US" sz="1800" dirty="0">
                 <a:solidFill>
                   <a:srgbClr val="000000"/>
                 </a:solidFill>
@@ -17310,7 +16813,7 @@
               </a:rPr>
               <a:t>어떤 오류가 발생하는지 적어 보기</a:t>
             </a:r>
-            <a:endParaRPr lang="en-US" altLang="ko-KR" sz="1800">
+            <a:endParaRPr lang="en-US" altLang="ko-KR" sz="1800" dirty="0">
               <a:solidFill>
                 <a:srgbClr val="000000"/>
               </a:solidFill>
@@ -17322,7 +16825,7 @@
               <a:buFont typeface="+mj-lt"/>
               <a:buAutoNum type="arabicPeriod" startAt="3"/>
             </a:pPr>
-            <a:endParaRPr lang="en-US" altLang="ko-KR">
+            <a:endParaRPr lang="en-US" altLang="ko-KR" dirty="0">
               <a:solidFill>
                 <a:srgbClr val="000000"/>
               </a:solidFill>
@@ -17334,7 +16837,7 @@
               <a:buFont typeface="+mj-lt"/>
               <a:buAutoNum type="arabicPeriod" startAt="3"/>
             </a:pPr>
-            <a:endParaRPr lang="en-US" altLang="ko-KR" sz="1800">
+            <a:endParaRPr lang="en-US" altLang="ko-KR" sz="1800" dirty="0">
               <a:solidFill>
                 <a:srgbClr val="000000"/>
               </a:solidFill>
@@ -17346,7 +16849,7 @@
               <a:buFont typeface="+mj-lt"/>
               <a:buAutoNum type="arabicPeriod" startAt="3"/>
             </a:pPr>
-            <a:endParaRPr lang="en-US" altLang="ko-KR">
+            <a:endParaRPr lang="en-US" altLang="ko-KR" dirty="0">
               <a:solidFill>
                 <a:srgbClr val="000000"/>
               </a:solidFill>
@@ -17358,7 +16861,7 @@
               <a:buFont typeface="+mj-lt"/>
               <a:buAutoNum type="arabicPeriod" startAt="3"/>
             </a:pPr>
-            <a:endParaRPr lang="en-US" altLang="ko-KR">
+            <a:endParaRPr lang="en-US" altLang="ko-KR" dirty="0">
               <a:solidFill>
                 <a:srgbClr val="000000"/>
               </a:solidFill>
@@ -17370,7 +16873,7 @@
               <a:buFont typeface="+mj-lt"/>
               <a:buAutoNum type="arabicPeriod" startAt="3"/>
             </a:pPr>
-            <a:endParaRPr lang="en-US" altLang="ko-KR">
+            <a:endParaRPr lang="en-US" altLang="ko-KR" dirty="0">
               <a:solidFill>
                 <a:srgbClr val="000000"/>
               </a:solidFill>
@@ -17383,7 +16886,7 @@
               <a:buAutoNum type="arabicPeriod" startAt="3"/>
             </a:pPr>
             <a:r>
-              <a:rPr lang="ko-KR" altLang="en-US" sz="1800">
+              <a:rPr lang="ko-KR" altLang="en-US" sz="1800" dirty="0">
                 <a:solidFill>
                   <a:srgbClr val="000000"/>
                 </a:solidFill>
@@ -18087,6 +17590,45 @@
           </a:prstGeom>
         </p:spPr>
       </p:pic>
+      <p:sp>
+        <p:nvSpPr>
+          <p:cNvPr id="4" name="TextBox 3">
+            <a:extLst>
+              <a:ext uri="{FF2B5EF4-FFF2-40B4-BE49-F238E27FC236}">
+                <a16:creationId xmlns:a16="http://schemas.microsoft.com/office/drawing/2014/main" id="{7A619DFD-C193-BC60-439A-96F40E86359F}"/>
+              </a:ext>
+            </a:extLst>
+          </p:cNvPr>
+          <p:cNvSpPr txBox="1"/>
+          <p:nvPr/>
+        </p:nvSpPr>
+        <p:spPr>
+          <a:xfrm>
+            <a:off x="306647" y="319086"/>
+            <a:ext cx="6377181" cy="707886"/>
+          </a:xfrm>
+          <a:prstGeom prst="rect">
+            <a:avLst/>
+          </a:prstGeom>
+          <a:noFill/>
+        </p:spPr>
+        <p:txBody>
+          <a:bodyPr wrap="square">
+            <a:spAutoFit/>
+          </a:bodyPr>
+          <a:lstStyle/>
+          <a:p>
+            <a:r>
+              <a:rPr lang="ko-KR" altLang="en-US" sz="4000" dirty="0">
+                <a:latin typeface="KoPubWorld돋움체 Bold" panose="00000800000000000000" pitchFamily="2" charset="-127"/>
+                <a:ea typeface="KoPubWorld돋움체 Bold" panose="00000800000000000000" pitchFamily="2" charset="-127"/>
+                <a:cs typeface="KoPubWorld돋움체 Bold" panose="00000800000000000000" pitchFamily="2" charset="-127"/>
+              </a:rPr>
+              <a:t>확인문제</a:t>
+            </a:r>
+          </a:p>
+        </p:txBody>
+      </p:sp>
     </p:spTree>
     <p:extLst>
       <p:ext uri="{BB962C8B-B14F-4D97-AF65-F5344CB8AC3E}">
